--- a/ppt 16-9/0405.我告诉你.pptx
+++ b/ppt 16-9/0405.我告诉你.pptx
@@ -129,7 +129,7 @@
           <p:cNvPr id="2" name="标题 1">
             <a:extLst>
               <a:ext uri="{FF2B5EF4-FFF2-40B4-BE49-F238E27FC236}">
-                <a16:creationId xmlns:a16="http://schemas.microsoft.com/office/drawing/2014/main" id="{953C56F3-F1E5-349D-DE5B-41CEAAB69981}"/>
+                <a16:creationId xmlns:a16="http://schemas.microsoft.com/office/drawing/2014/main" id="{C9D5D2D8-44CE-1C05-FF84-25216E1612E3}"/>
               </a:ext>
             </a:extLst>
           </p:cNvPr>
@@ -166,7 +166,7 @@
           <p:cNvPr id="3" name="副标题 2">
             <a:extLst>
               <a:ext uri="{FF2B5EF4-FFF2-40B4-BE49-F238E27FC236}">
-                <a16:creationId xmlns:a16="http://schemas.microsoft.com/office/drawing/2014/main" id="{50A2CFE7-4F51-F05B-BE91-4059BA770EA7}"/>
+                <a16:creationId xmlns:a16="http://schemas.microsoft.com/office/drawing/2014/main" id="{FF0E2BA4-7CD3-84CD-0533-B9BB939DAB5A}"/>
               </a:ext>
             </a:extLst>
           </p:cNvPr>
@@ -236,7 +236,7 @@
           <p:cNvPr id="4" name="日期占位符 3">
             <a:extLst>
               <a:ext uri="{FF2B5EF4-FFF2-40B4-BE49-F238E27FC236}">
-                <a16:creationId xmlns:a16="http://schemas.microsoft.com/office/drawing/2014/main" id="{D3A4FCBF-3C27-5A48-0D70-F15E358F9DE4}"/>
+                <a16:creationId xmlns:a16="http://schemas.microsoft.com/office/drawing/2014/main" id="{98018DAD-54CC-B026-5CA6-6EEB842EBB5C}"/>
               </a:ext>
             </a:extLst>
           </p:cNvPr>
@@ -252,7 +252,7 @@
           <a:bodyPr/>
           <a:lstStyle/>
           <a:p>
-            <a:fld id="{2024A730-4C8F-44BD-8081-ADABF756D471}" type="datetimeFigureOut">
+            <a:fld id="{59712F0C-E6E7-4F99-A9B4-605B245A9C58}" type="datetimeFigureOut">
               <a:rPr lang="zh-CN" altLang="en-US" smtClean="0"/>
               <a:t>2024/3/10</a:t>
             </a:fld>
@@ -265,7 +265,7 @@
           <p:cNvPr id="5" name="页脚占位符 4">
             <a:extLst>
               <a:ext uri="{FF2B5EF4-FFF2-40B4-BE49-F238E27FC236}">
-                <a16:creationId xmlns:a16="http://schemas.microsoft.com/office/drawing/2014/main" id="{3CA9C560-FBDC-FEB0-79E0-291647232511}"/>
+                <a16:creationId xmlns:a16="http://schemas.microsoft.com/office/drawing/2014/main" id="{8015A176-1609-2DAA-6A2E-D552CFA47FB8}"/>
               </a:ext>
             </a:extLst>
           </p:cNvPr>
@@ -290,7 +290,7 @@
           <p:cNvPr id="6" name="灯片编号占位符 5">
             <a:extLst>
               <a:ext uri="{FF2B5EF4-FFF2-40B4-BE49-F238E27FC236}">
-                <a16:creationId xmlns:a16="http://schemas.microsoft.com/office/drawing/2014/main" id="{058CFC4A-3652-CDF3-0DC7-59B381827B55}"/>
+                <a16:creationId xmlns:a16="http://schemas.microsoft.com/office/drawing/2014/main" id="{DE48F929-CBCC-3225-476D-B0C1835CA203}"/>
               </a:ext>
             </a:extLst>
           </p:cNvPr>
@@ -306,7 +306,7 @@
           <a:bodyPr/>
           <a:lstStyle/>
           <a:p>
-            <a:fld id="{11D8AF3E-4D66-4B3E-B21C-9347EE648B30}" type="slidenum">
+            <a:fld id="{4DB75F07-329A-4ADA-AB14-E2EF287A11D0}" type="slidenum">
               <a:rPr lang="zh-CN" altLang="en-US" smtClean="0"/>
               <a:t>‹#›</a:t>
             </a:fld>
@@ -317,7 +317,7 @@
     </p:spTree>
     <p:extLst>
       <p:ext uri="{BB962C8B-B14F-4D97-AF65-F5344CB8AC3E}">
-        <p14:creationId xmlns:p14="http://schemas.microsoft.com/office/powerpoint/2010/main" val="871281323"/>
+        <p14:creationId xmlns:p14="http://schemas.microsoft.com/office/powerpoint/2010/main" val="292109273"/>
       </p:ext>
     </p:extLst>
   </p:cSld>
@@ -349,7 +349,7 @@
           <p:cNvPr id="2" name="标题 1">
             <a:extLst>
               <a:ext uri="{FF2B5EF4-FFF2-40B4-BE49-F238E27FC236}">
-                <a16:creationId xmlns:a16="http://schemas.microsoft.com/office/drawing/2014/main" id="{2827D74E-838B-D273-BCF3-0A79E5888208}"/>
+                <a16:creationId xmlns:a16="http://schemas.microsoft.com/office/drawing/2014/main" id="{061ABE8E-A403-4A67-8C2C-9F432C5B7517}"/>
               </a:ext>
             </a:extLst>
           </p:cNvPr>
@@ -377,7 +377,7 @@
           <p:cNvPr id="3" name="竖排文字占位符 2">
             <a:extLst>
               <a:ext uri="{FF2B5EF4-FFF2-40B4-BE49-F238E27FC236}">
-                <a16:creationId xmlns:a16="http://schemas.microsoft.com/office/drawing/2014/main" id="{B81CFF3D-39EE-CBAB-C4D5-060E7782FAFA}"/>
+                <a16:creationId xmlns:a16="http://schemas.microsoft.com/office/drawing/2014/main" id="{435BA82B-B8B9-0990-7E50-A5B0FDFE05C2}"/>
               </a:ext>
             </a:extLst>
           </p:cNvPr>
@@ -434,7 +434,7 @@
           <p:cNvPr id="4" name="日期占位符 3">
             <a:extLst>
               <a:ext uri="{FF2B5EF4-FFF2-40B4-BE49-F238E27FC236}">
-                <a16:creationId xmlns:a16="http://schemas.microsoft.com/office/drawing/2014/main" id="{4D4B5C94-E3A8-6E73-ED82-84CEC8BA0583}"/>
+                <a16:creationId xmlns:a16="http://schemas.microsoft.com/office/drawing/2014/main" id="{A791CBA7-FBCA-D390-8745-B150C07FCB37}"/>
               </a:ext>
             </a:extLst>
           </p:cNvPr>
@@ -450,7 +450,7 @@
           <a:bodyPr/>
           <a:lstStyle/>
           <a:p>
-            <a:fld id="{2024A730-4C8F-44BD-8081-ADABF756D471}" type="datetimeFigureOut">
+            <a:fld id="{59712F0C-E6E7-4F99-A9B4-605B245A9C58}" type="datetimeFigureOut">
               <a:rPr lang="zh-CN" altLang="en-US" smtClean="0"/>
               <a:t>2024/3/10</a:t>
             </a:fld>
@@ -463,7 +463,7 @@
           <p:cNvPr id="5" name="页脚占位符 4">
             <a:extLst>
               <a:ext uri="{FF2B5EF4-FFF2-40B4-BE49-F238E27FC236}">
-                <a16:creationId xmlns:a16="http://schemas.microsoft.com/office/drawing/2014/main" id="{29CBA0C5-B97A-3A9F-B3B8-9D7F7AE38121}"/>
+                <a16:creationId xmlns:a16="http://schemas.microsoft.com/office/drawing/2014/main" id="{4F65AAE7-99B5-229F-DC47-91F462093B1B}"/>
               </a:ext>
             </a:extLst>
           </p:cNvPr>
@@ -488,7 +488,7 @@
           <p:cNvPr id="6" name="灯片编号占位符 5">
             <a:extLst>
               <a:ext uri="{FF2B5EF4-FFF2-40B4-BE49-F238E27FC236}">
-                <a16:creationId xmlns:a16="http://schemas.microsoft.com/office/drawing/2014/main" id="{43F113D5-EC3E-B5A4-09EC-0CA5627B2C3A}"/>
+                <a16:creationId xmlns:a16="http://schemas.microsoft.com/office/drawing/2014/main" id="{006D83BF-9AA9-0667-FCE3-A09D20FEDA51}"/>
               </a:ext>
             </a:extLst>
           </p:cNvPr>
@@ -504,7 +504,7 @@
           <a:bodyPr/>
           <a:lstStyle/>
           <a:p>
-            <a:fld id="{11D8AF3E-4D66-4B3E-B21C-9347EE648B30}" type="slidenum">
+            <a:fld id="{4DB75F07-329A-4ADA-AB14-E2EF287A11D0}" type="slidenum">
               <a:rPr lang="zh-CN" altLang="en-US" smtClean="0"/>
               <a:t>‹#›</a:t>
             </a:fld>
@@ -515,7 +515,7 @@
     </p:spTree>
     <p:extLst>
       <p:ext uri="{BB962C8B-B14F-4D97-AF65-F5344CB8AC3E}">
-        <p14:creationId xmlns:p14="http://schemas.microsoft.com/office/powerpoint/2010/main" val="1649040817"/>
+        <p14:creationId xmlns:p14="http://schemas.microsoft.com/office/powerpoint/2010/main" val="3751386071"/>
       </p:ext>
     </p:extLst>
   </p:cSld>
@@ -547,7 +547,7 @@
           <p:cNvPr id="2" name="竖排标题 1">
             <a:extLst>
               <a:ext uri="{FF2B5EF4-FFF2-40B4-BE49-F238E27FC236}">
-                <a16:creationId xmlns:a16="http://schemas.microsoft.com/office/drawing/2014/main" id="{B40F2EF1-80B9-C5A2-2CAE-72B10A566C30}"/>
+                <a16:creationId xmlns:a16="http://schemas.microsoft.com/office/drawing/2014/main" id="{222CBF30-F951-90A3-25C3-7D6564F648B4}"/>
               </a:ext>
             </a:extLst>
           </p:cNvPr>
@@ -580,7 +580,7 @@
           <p:cNvPr id="3" name="竖排文字占位符 2">
             <a:extLst>
               <a:ext uri="{FF2B5EF4-FFF2-40B4-BE49-F238E27FC236}">
-                <a16:creationId xmlns:a16="http://schemas.microsoft.com/office/drawing/2014/main" id="{976106B6-3A30-B82A-D221-CC00B69EBAE6}"/>
+                <a16:creationId xmlns:a16="http://schemas.microsoft.com/office/drawing/2014/main" id="{611A1DAB-B78C-5D07-9081-27599F12B246}"/>
               </a:ext>
             </a:extLst>
           </p:cNvPr>
@@ -642,7 +642,7 @@
           <p:cNvPr id="4" name="日期占位符 3">
             <a:extLst>
               <a:ext uri="{FF2B5EF4-FFF2-40B4-BE49-F238E27FC236}">
-                <a16:creationId xmlns:a16="http://schemas.microsoft.com/office/drawing/2014/main" id="{3E8A74B9-3120-00D8-A1CF-5B2DDB0E7D2D}"/>
+                <a16:creationId xmlns:a16="http://schemas.microsoft.com/office/drawing/2014/main" id="{DD56EFE0-4AC7-D777-CF88-45595FDA9722}"/>
               </a:ext>
             </a:extLst>
           </p:cNvPr>
@@ -658,7 +658,7 @@
           <a:bodyPr/>
           <a:lstStyle/>
           <a:p>
-            <a:fld id="{2024A730-4C8F-44BD-8081-ADABF756D471}" type="datetimeFigureOut">
+            <a:fld id="{59712F0C-E6E7-4F99-A9B4-605B245A9C58}" type="datetimeFigureOut">
               <a:rPr lang="zh-CN" altLang="en-US" smtClean="0"/>
               <a:t>2024/3/10</a:t>
             </a:fld>
@@ -671,7 +671,7 @@
           <p:cNvPr id="5" name="页脚占位符 4">
             <a:extLst>
               <a:ext uri="{FF2B5EF4-FFF2-40B4-BE49-F238E27FC236}">
-                <a16:creationId xmlns:a16="http://schemas.microsoft.com/office/drawing/2014/main" id="{09F89D75-6C2F-2287-949B-0062B11ECA12}"/>
+                <a16:creationId xmlns:a16="http://schemas.microsoft.com/office/drawing/2014/main" id="{9DACC527-30F4-BD7D-FEAB-EC6F1C120AC2}"/>
               </a:ext>
             </a:extLst>
           </p:cNvPr>
@@ -696,7 +696,7 @@
           <p:cNvPr id="6" name="灯片编号占位符 5">
             <a:extLst>
               <a:ext uri="{FF2B5EF4-FFF2-40B4-BE49-F238E27FC236}">
-                <a16:creationId xmlns:a16="http://schemas.microsoft.com/office/drawing/2014/main" id="{FA75320E-F313-EBDA-A9B0-8F787F1CB927}"/>
+                <a16:creationId xmlns:a16="http://schemas.microsoft.com/office/drawing/2014/main" id="{FA580989-04F9-BF75-24CD-F41B060DA094}"/>
               </a:ext>
             </a:extLst>
           </p:cNvPr>
@@ -712,7 +712,7 @@
           <a:bodyPr/>
           <a:lstStyle/>
           <a:p>
-            <a:fld id="{11D8AF3E-4D66-4B3E-B21C-9347EE648B30}" type="slidenum">
+            <a:fld id="{4DB75F07-329A-4ADA-AB14-E2EF287A11D0}" type="slidenum">
               <a:rPr lang="zh-CN" altLang="en-US" smtClean="0"/>
               <a:t>‹#›</a:t>
             </a:fld>
@@ -723,7 +723,7 @@
     </p:spTree>
     <p:extLst>
       <p:ext uri="{BB962C8B-B14F-4D97-AF65-F5344CB8AC3E}">
-        <p14:creationId xmlns:p14="http://schemas.microsoft.com/office/powerpoint/2010/main" val="234438890"/>
+        <p14:creationId xmlns:p14="http://schemas.microsoft.com/office/powerpoint/2010/main" val="1474990698"/>
       </p:ext>
     </p:extLst>
   </p:cSld>
@@ -755,7 +755,7 @@
           <p:cNvPr id="2" name="标题 1">
             <a:extLst>
               <a:ext uri="{FF2B5EF4-FFF2-40B4-BE49-F238E27FC236}">
-                <a16:creationId xmlns:a16="http://schemas.microsoft.com/office/drawing/2014/main" id="{8259F334-A1C8-B850-0FAA-1DF191371078}"/>
+                <a16:creationId xmlns:a16="http://schemas.microsoft.com/office/drawing/2014/main" id="{48361D26-3DF1-7C8A-60D4-3A802BE6DB92}"/>
               </a:ext>
             </a:extLst>
           </p:cNvPr>
@@ -783,7 +783,7 @@
           <p:cNvPr id="3" name="内容占位符 2">
             <a:extLst>
               <a:ext uri="{FF2B5EF4-FFF2-40B4-BE49-F238E27FC236}">
-                <a16:creationId xmlns:a16="http://schemas.microsoft.com/office/drawing/2014/main" id="{9F16B918-AB55-7046-8981-1D983E7E4658}"/>
+                <a16:creationId xmlns:a16="http://schemas.microsoft.com/office/drawing/2014/main" id="{C0B511E0-3A4A-4FCB-9CAF-179AA4B3EBF4}"/>
               </a:ext>
             </a:extLst>
           </p:cNvPr>
@@ -840,7 +840,7 @@
           <p:cNvPr id="4" name="日期占位符 3">
             <a:extLst>
               <a:ext uri="{FF2B5EF4-FFF2-40B4-BE49-F238E27FC236}">
-                <a16:creationId xmlns:a16="http://schemas.microsoft.com/office/drawing/2014/main" id="{FD6B88D1-8C3D-D81A-87DB-87D863C94B75}"/>
+                <a16:creationId xmlns:a16="http://schemas.microsoft.com/office/drawing/2014/main" id="{56AA94FB-0025-167D-1CC4-54377627265A}"/>
               </a:ext>
             </a:extLst>
           </p:cNvPr>
@@ -856,7 +856,7 @@
           <a:bodyPr/>
           <a:lstStyle/>
           <a:p>
-            <a:fld id="{2024A730-4C8F-44BD-8081-ADABF756D471}" type="datetimeFigureOut">
+            <a:fld id="{59712F0C-E6E7-4F99-A9B4-605B245A9C58}" type="datetimeFigureOut">
               <a:rPr lang="zh-CN" altLang="en-US" smtClean="0"/>
               <a:t>2024/3/10</a:t>
             </a:fld>
@@ -869,7 +869,7 @@
           <p:cNvPr id="5" name="页脚占位符 4">
             <a:extLst>
               <a:ext uri="{FF2B5EF4-FFF2-40B4-BE49-F238E27FC236}">
-                <a16:creationId xmlns:a16="http://schemas.microsoft.com/office/drawing/2014/main" id="{7E34B9B4-5D54-CB96-70BD-23E855E5BEF0}"/>
+                <a16:creationId xmlns:a16="http://schemas.microsoft.com/office/drawing/2014/main" id="{A9B72BF6-488E-640E-B30D-CAA8D60B480F}"/>
               </a:ext>
             </a:extLst>
           </p:cNvPr>
@@ -894,7 +894,7 @@
           <p:cNvPr id="6" name="灯片编号占位符 5">
             <a:extLst>
               <a:ext uri="{FF2B5EF4-FFF2-40B4-BE49-F238E27FC236}">
-                <a16:creationId xmlns:a16="http://schemas.microsoft.com/office/drawing/2014/main" id="{2D107AA5-F45D-0E1A-8925-04E6FD2803B7}"/>
+                <a16:creationId xmlns:a16="http://schemas.microsoft.com/office/drawing/2014/main" id="{B4790EEF-C930-C861-2800-83B691CF0F4D}"/>
               </a:ext>
             </a:extLst>
           </p:cNvPr>
@@ -910,7 +910,7 @@
           <a:bodyPr/>
           <a:lstStyle/>
           <a:p>
-            <a:fld id="{11D8AF3E-4D66-4B3E-B21C-9347EE648B30}" type="slidenum">
+            <a:fld id="{4DB75F07-329A-4ADA-AB14-E2EF287A11D0}" type="slidenum">
               <a:rPr lang="zh-CN" altLang="en-US" smtClean="0"/>
               <a:t>‹#›</a:t>
             </a:fld>
@@ -921,7 +921,7 @@
     </p:spTree>
     <p:extLst>
       <p:ext uri="{BB962C8B-B14F-4D97-AF65-F5344CB8AC3E}">
-        <p14:creationId xmlns:p14="http://schemas.microsoft.com/office/powerpoint/2010/main" val="3121952165"/>
+        <p14:creationId xmlns:p14="http://schemas.microsoft.com/office/powerpoint/2010/main" val="2698178517"/>
       </p:ext>
     </p:extLst>
   </p:cSld>
@@ -953,7 +953,7 @@
           <p:cNvPr id="2" name="标题 1">
             <a:extLst>
               <a:ext uri="{FF2B5EF4-FFF2-40B4-BE49-F238E27FC236}">
-                <a16:creationId xmlns:a16="http://schemas.microsoft.com/office/drawing/2014/main" id="{F1BC3812-99C6-667E-D260-6F2BF106D568}"/>
+                <a16:creationId xmlns:a16="http://schemas.microsoft.com/office/drawing/2014/main" id="{87C8CDA5-E4A2-651A-8F91-A1C9608AD8F9}"/>
               </a:ext>
             </a:extLst>
           </p:cNvPr>
@@ -990,7 +990,7 @@
           <p:cNvPr id="3" name="文本占位符 2">
             <a:extLst>
               <a:ext uri="{FF2B5EF4-FFF2-40B4-BE49-F238E27FC236}">
-                <a16:creationId xmlns:a16="http://schemas.microsoft.com/office/drawing/2014/main" id="{C9E1AAA1-1206-B8C5-DE85-900C2364F530}"/>
+                <a16:creationId xmlns:a16="http://schemas.microsoft.com/office/drawing/2014/main" id="{5D4EB640-1778-AA3D-481A-F770EBB2339A}"/>
               </a:ext>
             </a:extLst>
           </p:cNvPr>
@@ -1115,7 +1115,7 @@
           <p:cNvPr id="4" name="日期占位符 3">
             <a:extLst>
               <a:ext uri="{FF2B5EF4-FFF2-40B4-BE49-F238E27FC236}">
-                <a16:creationId xmlns:a16="http://schemas.microsoft.com/office/drawing/2014/main" id="{05FFA64C-1E7E-87F5-F674-65272645043B}"/>
+                <a16:creationId xmlns:a16="http://schemas.microsoft.com/office/drawing/2014/main" id="{9BD7A2EF-9C42-93E7-341E-C9011A7AFFCB}"/>
               </a:ext>
             </a:extLst>
           </p:cNvPr>
@@ -1131,7 +1131,7 @@
           <a:bodyPr/>
           <a:lstStyle/>
           <a:p>
-            <a:fld id="{2024A730-4C8F-44BD-8081-ADABF756D471}" type="datetimeFigureOut">
+            <a:fld id="{59712F0C-E6E7-4F99-A9B4-605B245A9C58}" type="datetimeFigureOut">
               <a:rPr lang="zh-CN" altLang="en-US" smtClean="0"/>
               <a:t>2024/3/10</a:t>
             </a:fld>
@@ -1144,7 +1144,7 @@
           <p:cNvPr id="5" name="页脚占位符 4">
             <a:extLst>
               <a:ext uri="{FF2B5EF4-FFF2-40B4-BE49-F238E27FC236}">
-                <a16:creationId xmlns:a16="http://schemas.microsoft.com/office/drawing/2014/main" id="{5D2AB090-41E6-E3A2-0795-B74DA95D52D1}"/>
+                <a16:creationId xmlns:a16="http://schemas.microsoft.com/office/drawing/2014/main" id="{1B3048EF-0530-C69C-8A35-36886B63C15A}"/>
               </a:ext>
             </a:extLst>
           </p:cNvPr>
@@ -1169,7 +1169,7 @@
           <p:cNvPr id="6" name="灯片编号占位符 5">
             <a:extLst>
               <a:ext uri="{FF2B5EF4-FFF2-40B4-BE49-F238E27FC236}">
-                <a16:creationId xmlns:a16="http://schemas.microsoft.com/office/drawing/2014/main" id="{46BE337B-0192-101A-1CA6-016F2DE6D6D3}"/>
+                <a16:creationId xmlns:a16="http://schemas.microsoft.com/office/drawing/2014/main" id="{E883CB3A-30EB-D195-B72A-2B48217A481D}"/>
               </a:ext>
             </a:extLst>
           </p:cNvPr>
@@ -1185,7 +1185,7 @@
           <a:bodyPr/>
           <a:lstStyle/>
           <a:p>
-            <a:fld id="{11D8AF3E-4D66-4B3E-B21C-9347EE648B30}" type="slidenum">
+            <a:fld id="{4DB75F07-329A-4ADA-AB14-E2EF287A11D0}" type="slidenum">
               <a:rPr lang="zh-CN" altLang="en-US" smtClean="0"/>
               <a:t>‹#›</a:t>
             </a:fld>
@@ -1196,7 +1196,7 @@
     </p:spTree>
     <p:extLst>
       <p:ext uri="{BB962C8B-B14F-4D97-AF65-F5344CB8AC3E}">
-        <p14:creationId xmlns:p14="http://schemas.microsoft.com/office/powerpoint/2010/main" val="1874612822"/>
+        <p14:creationId xmlns:p14="http://schemas.microsoft.com/office/powerpoint/2010/main" val="1145580802"/>
       </p:ext>
     </p:extLst>
   </p:cSld>
@@ -1228,7 +1228,7 @@
           <p:cNvPr id="2" name="标题 1">
             <a:extLst>
               <a:ext uri="{FF2B5EF4-FFF2-40B4-BE49-F238E27FC236}">
-                <a16:creationId xmlns:a16="http://schemas.microsoft.com/office/drawing/2014/main" id="{AD76764E-2294-067E-573D-77E75323F501}"/>
+                <a16:creationId xmlns:a16="http://schemas.microsoft.com/office/drawing/2014/main" id="{0B7B512D-D7C7-8F24-8217-AE72AB9C6E2E}"/>
               </a:ext>
             </a:extLst>
           </p:cNvPr>
@@ -1256,7 +1256,7 @@
           <p:cNvPr id="3" name="内容占位符 2">
             <a:extLst>
               <a:ext uri="{FF2B5EF4-FFF2-40B4-BE49-F238E27FC236}">
-                <a16:creationId xmlns:a16="http://schemas.microsoft.com/office/drawing/2014/main" id="{4F51666A-6E64-D830-7AD2-1FA0539ADE35}"/>
+                <a16:creationId xmlns:a16="http://schemas.microsoft.com/office/drawing/2014/main" id="{6887FE04-85C7-F114-01BD-0A37DA106C41}"/>
               </a:ext>
             </a:extLst>
           </p:cNvPr>
@@ -1318,7 +1318,7 @@
           <p:cNvPr id="4" name="内容占位符 3">
             <a:extLst>
               <a:ext uri="{FF2B5EF4-FFF2-40B4-BE49-F238E27FC236}">
-                <a16:creationId xmlns:a16="http://schemas.microsoft.com/office/drawing/2014/main" id="{1A868C3C-2236-1FFF-EAD3-6CCD16AEC05F}"/>
+                <a16:creationId xmlns:a16="http://schemas.microsoft.com/office/drawing/2014/main" id="{913FFB6A-388E-6AA2-EF7A-30081441BEA9}"/>
               </a:ext>
             </a:extLst>
           </p:cNvPr>
@@ -1380,7 +1380,7 @@
           <p:cNvPr id="5" name="日期占位符 4">
             <a:extLst>
               <a:ext uri="{FF2B5EF4-FFF2-40B4-BE49-F238E27FC236}">
-                <a16:creationId xmlns:a16="http://schemas.microsoft.com/office/drawing/2014/main" id="{9B25C291-5D6C-00B8-D00E-F559353B87DC}"/>
+                <a16:creationId xmlns:a16="http://schemas.microsoft.com/office/drawing/2014/main" id="{9FEB4A55-7A79-3463-34FB-B176BF218CF1}"/>
               </a:ext>
             </a:extLst>
           </p:cNvPr>
@@ -1396,7 +1396,7 @@
           <a:bodyPr/>
           <a:lstStyle/>
           <a:p>
-            <a:fld id="{2024A730-4C8F-44BD-8081-ADABF756D471}" type="datetimeFigureOut">
+            <a:fld id="{59712F0C-E6E7-4F99-A9B4-605B245A9C58}" type="datetimeFigureOut">
               <a:rPr lang="zh-CN" altLang="en-US" smtClean="0"/>
               <a:t>2024/3/10</a:t>
             </a:fld>
@@ -1409,7 +1409,7 @@
           <p:cNvPr id="6" name="页脚占位符 5">
             <a:extLst>
               <a:ext uri="{FF2B5EF4-FFF2-40B4-BE49-F238E27FC236}">
-                <a16:creationId xmlns:a16="http://schemas.microsoft.com/office/drawing/2014/main" id="{5109B6EA-0B9B-78C8-15EF-F05B1E77FA28}"/>
+                <a16:creationId xmlns:a16="http://schemas.microsoft.com/office/drawing/2014/main" id="{2EC1A2C2-62DA-01CD-EA0E-54261F17C900}"/>
               </a:ext>
             </a:extLst>
           </p:cNvPr>
@@ -1434,7 +1434,7 @@
           <p:cNvPr id="7" name="灯片编号占位符 6">
             <a:extLst>
               <a:ext uri="{FF2B5EF4-FFF2-40B4-BE49-F238E27FC236}">
-                <a16:creationId xmlns:a16="http://schemas.microsoft.com/office/drawing/2014/main" id="{B3D611E0-AAF6-0560-C297-C512ADBF4653}"/>
+                <a16:creationId xmlns:a16="http://schemas.microsoft.com/office/drawing/2014/main" id="{2897F586-831F-0316-B7B6-34E280F35794}"/>
               </a:ext>
             </a:extLst>
           </p:cNvPr>
@@ -1450,7 +1450,7 @@
           <a:bodyPr/>
           <a:lstStyle/>
           <a:p>
-            <a:fld id="{11D8AF3E-4D66-4B3E-B21C-9347EE648B30}" type="slidenum">
+            <a:fld id="{4DB75F07-329A-4ADA-AB14-E2EF287A11D0}" type="slidenum">
               <a:rPr lang="zh-CN" altLang="en-US" smtClean="0"/>
               <a:t>‹#›</a:t>
             </a:fld>
@@ -1461,7 +1461,7 @@
     </p:spTree>
     <p:extLst>
       <p:ext uri="{BB962C8B-B14F-4D97-AF65-F5344CB8AC3E}">
-        <p14:creationId xmlns:p14="http://schemas.microsoft.com/office/powerpoint/2010/main" val="4005078025"/>
+        <p14:creationId xmlns:p14="http://schemas.microsoft.com/office/powerpoint/2010/main" val="9088314"/>
       </p:ext>
     </p:extLst>
   </p:cSld>
@@ -1493,7 +1493,7 @@
           <p:cNvPr id="2" name="标题 1">
             <a:extLst>
               <a:ext uri="{FF2B5EF4-FFF2-40B4-BE49-F238E27FC236}">
-                <a16:creationId xmlns:a16="http://schemas.microsoft.com/office/drawing/2014/main" id="{FAE6C563-402C-36EB-AAD0-6EE0016EC5C1}"/>
+                <a16:creationId xmlns:a16="http://schemas.microsoft.com/office/drawing/2014/main" id="{B4C7AF08-94DC-7072-BB1A-1AB7DD3CEBF9}"/>
               </a:ext>
             </a:extLst>
           </p:cNvPr>
@@ -1526,7 +1526,7 @@
           <p:cNvPr id="3" name="文本占位符 2">
             <a:extLst>
               <a:ext uri="{FF2B5EF4-FFF2-40B4-BE49-F238E27FC236}">
-                <a16:creationId xmlns:a16="http://schemas.microsoft.com/office/drawing/2014/main" id="{A7B38D71-3E90-E567-FA74-98056547B62D}"/>
+                <a16:creationId xmlns:a16="http://schemas.microsoft.com/office/drawing/2014/main" id="{186AEB7A-DC54-B447-1339-DA87326855C2}"/>
               </a:ext>
             </a:extLst>
           </p:cNvPr>
@@ -1597,7 +1597,7 @@
           <p:cNvPr id="4" name="内容占位符 3">
             <a:extLst>
               <a:ext uri="{FF2B5EF4-FFF2-40B4-BE49-F238E27FC236}">
-                <a16:creationId xmlns:a16="http://schemas.microsoft.com/office/drawing/2014/main" id="{D1EC4B8A-4E7B-8830-94DE-FE2525607D5E}"/>
+                <a16:creationId xmlns:a16="http://schemas.microsoft.com/office/drawing/2014/main" id="{B76E73E8-A774-2089-1AA1-B50FB9C87112}"/>
               </a:ext>
             </a:extLst>
           </p:cNvPr>
@@ -1659,7 +1659,7 @@
           <p:cNvPr id="5" name="文本占位符 4">
             <a:extLst>
               <a:ext uri="{FF2B5EF4-FFF2-40B4-BE49-F238E27FC236}">
-                <a16:creationId xmlns:a16="http://schemas.microsoft.com/office/drawing/2014/main" id="{4046EA6C-9952-514E-E5D5-B8C9B6B83E2C}"/>
+                <a16:creationId xmlns:a16="http://schemas.microsoft.com/office/drawing/2014/main" id="{843CD15C-3B04-356B-B313-B83E8E3353D0}"/>
               </a:ext>
             </a:extLst>
           </p:cNvPr>
@@ -1730,7 +1730,7 @@
           <p:cNvPr id="6" name="内容占位符 5">
             <a:extLst>
               <a:ext uri="{FF2B5EF4-FFF2-40B4-BE49-F238E27FC236}">
-                <a16:creationId xmlns:a16="http://schemas.microsoft.com/office/drawing/2014/main" id="{00E1D057-AC72-8F16-53B5-7C2BA5496639}"/>
+                <a16:creationId xmlns:a16="http://schemas.microsoft.com/office/drawing/2014/main" id="{9368102F-66CB-26C2-C054-4A442470A561}"/>
               </a:ext>
             </a:extLst>
           </p:cNvPr>
@@ -1792,7 +1792,7 @@
           <p:cNvPr id="7" name="日期占位符 6">
             <a:extLst>
               <a:ext uri="{FF2B5EF4-FFF2-40B4-BE49-F238E27FC236}">
-                <a16:creationId xmlns:a16="http://schemas.microsoft.com/office/drawing/2014/main" id="{31CE8689-C1D0-4440-1F0F-85EE56D16BC7}"/>
+                <a16:creationId xmlns:a16="http://schemas.microsoft.com/office/drawing/2014/main" id="{ADC15164-C507-A7CE-1849-973CEC45B8BE}"/>
               </a:ext>
             </a:extLst>
           </p:cNvPr>
@@ -1808,7 +1808,7 @@
           <a:bodyPr/>
           <a:lstStyle/>
           <a:p>
-            <a:fld id="{2024A730-4C8F-44BD-8081-ADABF756D471}" type="datetimeFigureOut">
+            <a:fld id="{59712F0C-E6E7-4F99-A9B4-605B245A9C58}" type="datetimeFigureOut">
               <a:rPr lang="zh-CN" altLang="en-US" smtClean="0"/>
               <a:t>2024/3/10</a:t>
             </a:fld>
@@ -1821,7 +1821,7 @@
           <p:cNvPr id="8" name="页脚占位符 7">
             <a:extLst>
               <a:ext uri="{FF2B5EF4-FFF2-40B4-BE49-F238E27FC236}">
-                <a16:creationId xmlns:a16="http://schemas.microsoft.com/office/drawing/2014/main" id="{25D96284-1DF4-2F6D-F016-55A86438FABE}"/>
+                <a16:creationId xmlns:a16="http://schemas.microsoft.com/office/drawing/2014/main" id="{DB39B3FA-05F5-9C51-2CA8-639B0C3E0E0F}"/>
               </a:ext>
             </a:extLst>
           </p:cNvPr>
@@ -1846,7 +1846,7 @@
           <p:cNvPr id="9" name="灯片编号占位符 8">
             <a:extLst>
               <a:ext uri="{FF2B5EF4-FFF2-40B4-BE49-F238E27FC236}">
-                <a16:creationId xmlns:a16="http://schemas.microsoft.com/office/drawing/2014/main" id="{9592C0E1-B489-570E-68B0-351FD00265F7}"/>
+                <a16:creationId xmlns:a16="http://schemas.microsoft.com/office/drawing/2014/main" id="{CC670207-C1E7-98E6-6C81-C68FB612E2B9}"/>
               </a:ext>
             </a:extLst>
           </p:cNvPr>
@@ -1862,7 +1862,7 @@
           <a:bodyPr/>
           <a:lstStyle/>
           <a:p>
-            <a:fld id="{11D8AF3E-4D66-4B3E-B21C-9347EE648B30}" type="slidenum">
+            <a:fld id="{4DB75F07-329A-4ADA-AB14-E2EF287A11D0}" type="slidenum">
               <a:rPr lang="zh-CN" altLang="en-US" smtClean="0"/>
               <a:t>‹#›</a:t>
             </a:fld>
@@ -1873,7 +1873,7 @@
     </p:spTree>
     <p:extLst>
       <p:ext uri="{BB962C8B-B14F-4D97-AF65-F5344CB8AC3E}">
-        <p14:creationId xmlns:p14="http://schemas.microsoft.com/office/powerpoint/2010/main" val="2235823792"/>
+        <p14:creationId xmlns:p14="http://schemas.microsoft.com/office/powerpoint/2010/main" val="3667319586"/>
       </p:ext>
     </p:extLst>
   </p:cSld>
@@ -1905,7 +1905,7 @@
           <p:cNvPr id="2" name="标题 1">
             <a:extLst>
               <a:ext uri="{FF2B5EF4-FFF2-40B4-BE49-F238E27FC236}">
-                <a16:creationId xmlns:a16="http://schemas.microsoft.com/office/drawing/2014/main" id="{E836D366-9265-665F-088F-FD0A0471E683}"/>
+                <a16:creationId xmlns:a16="http://schemas.microsoft.com/office/drawing/2014/main" id="{EF073D91-4B48-D733-0AFD-EF0D2E3ACBC4}"/>
               </a:ext>
             </a:extLst>
           </p:cNvPr>
@@ -1933,7 +1933,7 @@
           <p:cNvPr id="3" name="日期占位符 2">
             <a:extLst>
               <a:ext uri="{FF2B5EF4-FFF2-40B4-BE49-F238E27FC236}">
-                <a16:creationId xmlns:a16="http://schemas.microsoft.com/office/drawing/2014/main" id="{7EBB4192-02CD-2219-AC3F-21E6EE4DE72B}"/>
+                <a16:creationId xmlns:a16="http://schemas.microsoft.com/office/drawing/2014/main" id="{A78DA5BA-6687-E7D4-9949-1904A7977D44}"/>
               </a:ext>
             </a:extLst>
           </p:cNvPr>
@@ -1949,7 +1949,7 @@
           <a:bodyPr/>
           <a:lstStyle/>
           <a:p>
-            <a:fld id="{2024A730-4C8F-44BD-8081-ADABF756D471}" type="datetimeFigureOut">
+            <a:fld id="{59712F0C-E6E7-4F99-A9B4-605B245A9C58}" type="datetimeFigureOut">
               <a:rPr lang="zh-CN" altLang="en-US" smtClean="0"/>
               <a:t>2024/3/10</a:t>
             </a:fld>
@@ -1962,7 +1962,7 @@
           <p:cNvPr id="4" name="页脚占位符 3">
             <a:extLst>
               <a:ext uri="{FF2B5EF4-FFF2-40B4-BE49-F238E27FC236}">
-                <a16:creationId xmlns:a16="http://schemas.microsoft.com/office/drawing/2014/main" id="{1E4F5C23-E4B5-C9EE-6FFC-A8551AE8544E}"/>
+                <a16:creationId xmlns:a16="http://schemas.microsoft.com/office/drawing/2014/main" id="{91AD2EA0-9B37-FA90-08A9-32A39A7D9FEF}"/>
               </a:ext>
             </a:extLst>
           </p:cNvPr>
@@ -1987,7 +1987,7 @@
           <p:cNvPr id="5" name="灯片编号占位符 4">
             <a:extLst>
               <a:ext uri="{FF2B5EF4-FFF2-40B4-BE49-F238E27FC236}">
-                <a16:creationId xmlns:a16="http://schemas.microsoft.com/office/drawing/2014/main" id="{C7DB6CF8-E896-375A-2BBE-5B2151D9BAD2}"/>
+                <a16:creationId xmlns:a16="http://schemas.microsoft.com/office/drawing/2014/main" id="{BCDDDB38-BE91-B72D-E04A-7BD46F6EEE07}"/>
               </a:ext>
             </a:extLst>
           </p:cNvPr>
@@ -2003,7 +2003,7 @@
           <a:bodyPr/>
           <a:lstStyle/>
           <a:p>
-            <a:fld id="{11D8AF3E-4D66-4B3E-B21C-9347EE648B30}" type="slidenum">
+            <a:fld id="{4DB75F07-329A-4ADA-AB14-E2EF287A11D0}" type="slidenum">
               <a:rPr lang="zh-CN" altLang="en-US" smtClean="0"/>
               <a:t>‹#›</a:t>
             </a:fld>
@@ -2014,7 +2014,7 @@
     </p:spTree>
     <p:extLst>
       <p:ext uri="{BB962C8B-B14F-4D97-AF65-F5344CB8AC3E}">
-        <p14:creationId xmlns:p14="http://schemas.microsoft.com/office/powerpoint/2010/main" val="676188274"/>
+        <p14:creationId xmlns:p14="http://schemas.microsoft.com/office/powerpoint/2010/main" val="4008732228"/>
       </p:ext>
     </p:extLst>
   </p:cSld>
@@ -2046,7 +2046,7 @@
           <p:cNvPr id="2" name="日期占位符 1">
             <a:extLst>
               <a:ext uri="{FF2B5EF4-FFF2-40B4-BE49-F238E27FC236}">
-                <a16:creationId xmlns:a16="http://schemas.microsoft.com/office/drawing/2014/main" id="{064B1985-26C1-BDC5-D9BA-7D78406CBD9C}"/>
+                <a16:creationId xmlns:a16="http://schemas.microsoft.com/office/drawing/2014/main" id="{C93F208F-D2F4-A946-31EA-3D3D6E63A40A}"/>
               </a:ext>
             </a:extLst>
           </p:cNvPr>
@@ -2062,7 +2062,7 @@
           <a:bodyPr/>
           <a:lstStyle/>
           <a:p>
-            <a:fld id="{2024A730-4C8F-44BD-8081-ADABF756D471}" type="datetimeFigureOut">
+            <a:fld id="{59712F0C-E6E7-4F99-A9B4-605B245A9C58}" type="datetimeFigureOut">
               <a:rPr lang="zh-CN" altLang="en-US" smtClean="0"/>
               <a:t>2024/3/10</a:t>
             </a:fld>
@@ -2075,7 +2075,7 @@
           <p:cNvPr id="3" name="页脚占位符 2">
             <a:extLst>
               <a:ext uri="{FF2B5EF4-FFF2-40B4-BE49-F238E27FC236}">
-                <a16:creationId xmlns:a16="http://schemas.microsoft.com/office/drawing/2014/main" id="{08B7BEA5-8F8D-297E-756D-045C596A6CB5}"/>
+                <a16:creationId xmlns:a16="http://schemas.microsoft.com/office/drawing/2014/main" id="{72608ABA-3D66-2BA8-60DF-294B9B943C06}"/>
               </a:ext>
             </a:extLst>
           </p:cNvPr>
@@ -2100,7 +2100,7 @@
           <p:cNvPr id="4" name="灯片编号占位符 3">
             <a:extLst>
               <a:ext uri="{FF2B5EF4-FFF2-40B4-BE49-F238E27FC236}">
-                <a16:creationId xmlns:a16="http://schemas.microsoft.com/office/drawing/2014/main" id="{7180B80E-8D36-B3CB-0E47-55CE2CE6134A}"/>
+                <a16:creationId xmlns:a16="http://schemas.microsoft.com/office/drawing/2014/main" id="{3BBE994D-B2F3-7742-06FF-15726809361F}"/>
               </a:ext>
             </a:extLst>
           </p:cNvPr>
@@ -2116,7 +2116,7 @@
           <a:bodyPr/>
           <a:lstStyle/>
           <a:p>
-            <a:fld id="{11D8AF3E-4D66-4B3E-B21C-9347EE648B30}" type="slidenum">
+            <a:fld id="{4DB75F07-329A-4ADA-AB14-E2EF287A11D0}" type="slidenum">
               <a:rPr lang="zh-CN" altLang="en-US" smtClean="0"/>
               <a:t>‹#›</a:t>
             </a:fld>
@@ -2127,7 +2127,7 @@
     </p:spTree>
     <p:extLst>
       <p:ext uri="{BB962C8B-B14F-4D97-AF65-F5344CB8AC3E}">
-        <p14:creationId xmlns:p14="http://schemas.microsoft.com/office/powerpoint/2010/main" val="4046372898"/>
+        <p14:creationId xmlns:p14="http://schemas.microsoft.com/office/powerpoint/2010/main" val="3607786701"/>
       </p:ext>
     </p:extLst>
   </p:cSld>
@@ -2159,7 +2159,7 @@
           <p:cNvPr id="2" name="标题 1">
             <a:extLst>
               <a:ext uri="{FF2B5EF4-FFF2-40B4-BE49-F238E27FC236}">
-                <a16:creationId xmlns:a16="http://schemas.microsoft.com/office/drawing/2014/main" id="{FF5E9B6B-2BEB-7521-CD66-6393052C5F30}"/>
+                <a16:creationId xmlns:a16="http://schemas.microsoft.com/office/drawing/2014/main" id="{821AB4EB-FA39-A770-FFE9-F276BB87E6B1}"/>
               </a:ext>
             </a:extLst>
           </p:cNvPr>
@@ -2196,7 +2196,7 @@
           <p:cNvPr id="3" name="内容占位符 2">
             <a:extLst>
               <a:ext uri="{FF2B5EF4-FFF2-40B4-BE49-F238E27FC236}">
-                <a16:creationId xmlns:a16="http://schemas.microsoft.com/office/drawing/2014/main" id="{B6DAC5E2-3004-1E1B-1DBC-01367C7A48E6}"/>
+                <a16:creationId xmlns:a16="http://schemas.microsoft.com/office/drawing/2014/main" id="{A251D355-8562-3367-4DE6-95D4641BA104}"/>
               </a:ext>
             </a:extLst>
           </p:cNvPr>
@@ -2286,7 +2286,7 @@
           <p:cNvPr id="4" name="文本占位符 3">
             <a:extLst>
               <a:ext uri="{FF2B5EF4-FFF2-40B4-BE49-F238E27FC236}">
-                <a16:creationId xmlns:a16="http://schemas.microsoft.com/office/drawing/2014/main" id="{D4F21D8D-2CF2-3A5E-4F9C-D671ECBC01D4}"/>
+                <a16:creationId xmlns:a16="http://schemas.microsoft.com/office/drawing/2014/main" id="{BD0E75F2-D0DE-5CC2-EC3F-30845E0DEA51}"/>
               </a:ext>
             </a:extLst>
           </p:cNvPr>
@@ -2357,7 +2357,7 @@
           <p:cNvPr id="5" name="日期占位符 4">
             <a:extLst>
               <a:ext uri="{FF2B5EF4-FFF2-40B4-BE49-F238E27FC236}">
-                <a16:creationId xmlns:a16="http://schemas.microsoft.com/office/drawing/2014/main" id="{7F551C42-68B9-35DC-F54D-A41BB5951F68}"/>
+                <a16:creationId xmlns:a16="http://schemas.microsoft.com/office/drawing/2014/main" id="{92EF331A-C525-A606-106C-0FDD05382719}"/>
               </a:ext>
             </a:extLst>
           </p:cNvPr>
@@ -2373,7 +2373,7 @@
           <a:bodyPr/>
           <a:lstStyle/>
           <a:p>
-            <a:fld id="{2024A730-4C8F-44BD-8081-ADABF756D471}" type="datetimeFigureOut">
+            <a:fld id="{59712F0C-E6E7-4F99-A9B4-605B245A9C58}" type="datetimeFigureOut">
               <a:rPr lang="zh-CN" altLang="en-US" smtClean="0"/>
               <a:t>2024/3/10</a:t>
             </a:fld>
@@ -2386,7 +2386,7 @@
           <p:cNvPr id="6" name="页脚占位符 5">
             <a:extLst>
               <a:ext uri="{FF2B5EF4-FFF2-40B4-BE49-F238E27FC236}">
-                <a16:creationId xmlns:a16="http://schemas.microsoft.com/office/drawing/2014/main" id="{B971AE06-2A59-2120-18C2-E1C6D3217571}"/>
+                <a16:creationId xmlns:a16="http://schemas.microsoft.com/office/drawing/2014/main" id="{BB27EA64-E2D2-84C4-F654-27FB3B5ABD31}"/>
               </a:ext>
             </a:extLst>
           </p:cNvPr>
@@ -2411,7 +2411,7 @@
           <p:cNvPr id="7" name="灯片编号占位符 6">
             <a:extLst>
               <a:ext uri="{FF2B5EF4-FFF2-40B4-BE49-F238E27FC236}">
-                <a16:creationId xmlns:a16="http://schemas.microsoft.com/office/drawing/2014/main" id="{D861F41A-AC16-FB83-FA46-81B33EE0A423}"/>
+                <a16:creationId xmlns:a16="http://schemas.microsoft.com/office/drawing/2014/main" id="{748E6D26-00AC-AA6B-60EF-83DAA082C6F2}"/>
               </a:ext>
             </a:extLst>
           </p:cNvPr>
@@ -2427,7 +2427,7 @@
           <a:bodyPr/>
           <a:lstStyle/>
           <a:p>
-            <a:fld id="{11D8AF3E-4D66-4B3E-B21C-9347EE648B30}" type="slidenum">
+            <a:fld id="{4DB75F07-329A-4ADA-AB14-E2EF287A11D0}" type="slidenum">
               <a:rPr lang="zh-CN" altLang="en-US" smtClean="0"/>
               <a:t>‹#›</a:t>
             </a:fld>
@@ -2438,7 +2438,7 @@
     </p:spTree>
     <p:extLst>
       <p:ext uri="{BB962C8B-B14F-4D97-AF65-F5344CB8AC3E}">
-        <p14:creationId xmlns:p14="http://schemas.microsoft.com/office/powerpoint/2010/main" val="3694244718"/>
+        <p14:creationId xmlns:p14="http://schemas.microsoft.com/office/powerpoint/2010/main" val="2077530292"/>
       </p:ext>
     </p:extLst>
   </p:cSld>
@@ -2470,7 +2470,7 @@
           <p:cNvPr id="2" name="标题 1">
             <a:extLst>
               <a:ext uri="{FF2B5EF4-FFF2-40B4-BE49-F238E27FC236}">
-                <a16:creationId xmlns:a16="http://schemas.microsoft.com/office/drawing/2014/main" id="{40835EE7-9F50-1F98-A056-08929DEFADAC}"/>
+                <a16:creationId xmlns:a16="http://schemas.microsoft.com/office/drawing/2014/main" id="{B957121C-7073-7FF3-3960-4ACF87406B61}"/>
               </a:ext>
             </a:extLst>
           </p:cNvPr>
@@ -2507,7 +2507,7 @@
           <p:cNvPr id="3" name="图片占位符 2">
             <a:extLst>
               <a:ext uri="{FF2B5EF4-FFF2-40B4-BE49-F238E27FC236}">
-                <a16:creationId xmlns:a16="http://schemas.microsoft.com/office/drawing/2014/main" id="{BF790423-69FA-E44A-4516-8623D942CDDC}"/>
+                <a16:creationId xmlns:a16="http://schemas.microsoft.com/office/drawing/2014/main" id="{3AF44228-9383-A8B6-CDD2-2B22A7BC7310}"/>
               </a:ext>
             </a:extLst>
           </p:cNvPr>
@@ -2574,7 +2574,7 @@
           <p:cNvPr id="4" name="文本占位符 3">
             <a:extLst>
               <a:ext uri="{FF2B5EF4-FFF2-40B4-BE49-F238E27FC236}">
-                <a16:creationId xmlns:a16="http://schemas.microsoft.com/office/drawing/2014/main" id="{9BE1B436-3889-3D68-E2B6-64594B50B0CB}"/>
+                <a16:creationId xmlns:a16="http://schemas.microsoft.com/office/drawing/2014/main" id="{7570290A-006F-6CDB-2FC7-2F7B812F2B44}"/>
               </a:ext>
             </a:extLst>
           </p:cNvPr>
@@ -2645,7 +2645,7 @@
           <p:cNvPr id="5" name="日期占位符 4">
             <a:extLst>
               <a:ext uri="{FF2B5EF4-FFF2-40B4-BE49-F238E27FC236}">
-                <a16:creationId xmlns:a16="http://schemas.microsoft.com/office/drawing/2014/main" id="{F0843D04-E9DF-DE2A-C705-E80A12BA94DF}"/>
+                <a16:creationId xmlns:a16="http://schemas.microsoft.com/office/drawing/2014/main" id="{00B7F857-1DB9-BC5A-6C5F-AB346D3E83E5}"/>
               </a:ext>
             </a:extLst>
           </p:cNvPr>
@@ -2661,7 +2661,7 @@
           <a:bodyPr/>
           <a:lstStyle/>
           <a:p>
-            <a:fld id="{2024A730-4C8F-44BD-8081-ADABF756D471}" type="datetimeFigureOut">
+            <a:fld id="{59712F0C-E6E7-4F99-A9B4-605B245A9C58}" type="datetimeFigureOut">
               <a:rPr lang="zh-CN" altLang="en-US" smtClean="0"/>
               <a:t>2024/3/10</a:t>
             </a:fld>
@@ -2674,7 +2674,7 @@
           <p:cNvPr id="6" name="页脚占位符 5">
             <a:extLst>
               <a:ext uri="{FF2B5EF4-FFF2-40B4-BE49-F238E27FC236}">
-                <a16:creationId xmlns:a16="http://schemas.microsoft.com/office/drawing/2014/main" id="{4B818900-8BC3-26E0-9A3A-B693895B59E4}"/>
+                <a16:creationId xmlns:a16="http://schemas.microsoft.com/office/drawing/2014/main" id="{7B5FDA1E-2DDD-A8F0-3645-71606EBC47A6}"/>
               </a:ext>
             </a:extLst>
           </p:cNvPr>
@@ -2699,7 +2699,7 @@
           <p:cNvPr id="7" name="灯片编号占位符 6">
             <a:extLst>
               <a:ext uri="{FF2B5EF4-FFF2-40B4-BE49-F238E27FC236}">
-                <a16:creationId xmlns:a16="http://schemas.microsoft.com/office/drawing/2014/main" id="{ACDF0257-72C9-CC7E-4C74-59C552FC9B18}"/>
+                <a16:creationId xmlns:a16="http://schemas.microsoft.com/office/drawing/2014/main" id="{D7CF44D5-1202-1642-B054-CB63C770CAA0}"/>
               </a:ext>
             </a:extLst>
           </p:cNvPr>
@@ -2715,7 +2715,7 @@
           <a:bodyPr/>
           <a:lstStyle/>
           <a:p>
-            <a:fld id="{11D8AF3E-4D66-4B3E-B21C-9347EE648B30}" type="slidenum">
+            <a:fld id="{4DB75F07-329A-4ADA-AB14-E2EF287A11D0}" type="slidenum">
               <a:rPr lang="zh-CN" altLang="en-US" smtClean="0"/>
               <a:t>‹#›</a:t>
             </a:fld>
@@ -2726,7 +2726,7 @@
     </p:spTree>
     <p:extLst>
       <p:ext uri="{BB962C8B-B14F-4D97-AF65-F5344CB8AC3E}">
-        <p14:creationId xmlns:p14="http://schemas.microsoft.com/office/powerpoint/2010/main" val="1261986693"/>
+        <p14:creationId xmlns:p14="http://schemas.microsoft.com/office/powerpoint/2010/main" val="3008892896"/>
       </p:ext>
     </p:extLst>
   </p:cSld>
@@ -2763,7 +2763,7 @@
           <p:cNvPr id="2" name="标题占位符 1">
             <a:extLst>
               <a:ext uri="{FF2B5EF4-FFF2-40B4-BE49-F238E27FC236}">
-                <a16:creationId xmlns:a16="http://schemas.microsoft.com/office/drawing/2014/main" id="{A57E2961-D890-5A49-E6DB-4D83E7C7F827}"/>
+                <a16:creationId xmlns:a16="http://schemas.microsoft.com/office/drawing/2014/main" id="{B3F23859-11D4-836A-7967-7415D6E6E729}"/>
               </a:ext>
             </a:extLst>
           </p:cNvPr>
@@ -2801,7 +2801,7 @@
           <p:cNvPr id="3" name="文本占位符 2">
             <a:extLst>
               <a:ext uri="{FF2B5EF4-FFF2-40B4-BE49-F238E27FC236}">
-                <a16:creationId xmlns:a16="http://schemas.microsoft.com/office/drawing/2014/main" id="{296A11B6-089A-DE4F-B1E7-2370BD94E58F}"/>
+                <a16:creationId xmlns:a16="http://schemas.microsoft.com/office/drawing/2014/main" id="{7226AC32-299D-9572-564B-FF2EAD682D0F}"/>
               </a:ext>
             </a:extLst>
           </p:cNvPr>
@@ -2868,7 +2868,7 @@
           <p:cNvPr id="4" name="日期占位符 3">
             <a:extLst>
               <a:ext uri="{FF2B5EF4-FFF2-40B4-BE49-F238E27FC236}">
-                <a16:creationId xmlns:a16="http://schemas.microsoft.com/office/drawing/2014/main" id="{8BB104EC-492E-70F7-F621-DBDA65C579D8}"/>
+                <a16:creationId xmlns:a16="http://schemas.microsoft.com/office/drawing/2014/main" id="{0BD4868E-B067-9C79-D03B-E3271260D191}"/>
               </a:ext>
             </a:extLst>
           </p:cNvPr>
@@ -2902,7 +2902,7 @@
             </a:lvl1pPr>
           </a:lstStyle>
           <a:p>
-            <a:fld id="{2024A730-4C8F-44BD-8081-ADABF756D471}" type="datetimeFigureOut">
+            <a:fld id="{59712F0C-E6E7-4F99-A9B4-605B245A9C58}" type="datetimeFigureOut">
               <a:rPr lang="zh-CN" altLang="en-US" smtClean="0"/>
               <a:t>2024/3/10</a:t>
             </a:fld>
@@ -2915,7 +2915,7 @@
           <p:cNvPr id="5" name="页脚占位符 4">
             <a:extLst>
               <a:ext uri="{FF2B5EF4-FFF2-40B4-BE49-F238E27FC236}">
-                <a16:creationId xmlns:a16="http://schemas.microsoft.com/office/drawing/2014/main" id="{7A3D8113-EC64-F711-CDAB-6FCC4B79C1AB}"/>
+                <a16:creationId xmlns:a16="http://schemas.microsoft.com/office/drawing/2014/main" id="{8A3675B6-A1FB-AA96-EDEA-7E277B2677BE}"/>
               </a:ext>
             </a:extLst>
           </p:cNvPr>
@@ -2958,7 +2958,7 @@
           <p:cNvPr id="6" name="灯片编号占位符 5">
             <a:extLst>
               <a:ext uri="{FF2B5EF4-FFF2-40B4-BE49-F238E27FC236}">
-                <a16:creationId xmlns:a16="http://schemas.microsoft.com/office/drawing/2014/main" id="{5C1932A6-044F-4154-FAB6-C77599E12AFF}"/>
+                <a16:creationId xmlns:a16="http://schemas.microsoft.com/office/drawing/2014/main" id="{A2A8E15B-F65D-47AC-F921-1DFCDE1E93F3}"/>
               </a:ext>
             </a:extLst>
           </p:cNvPr>
@@ -2992,7 +2992,7 @@
             </a:lvl1pPr>
           </a:lstStyle>
           <a:p>
-            <a:fld id="{11D8AF3E-4D66-4B3E-B21C-9347EE648B30}" type="slidenum">
+            <a:fld id="{4DB75F07-329A-4ADA-AB14-E2EF287A11D0}" type="slidenum">
               <a:rPr lang="zh-CN" altLang="en-US" smtClean="0"/>
               <a:t>‹#›</a:t>
             </a:fld>
@@ -3003,7 +3003,7 @@
     </p:spTree>
     <p:extLst>
       <p:ext uri="{BB962C8B-B14F-4D97-AF65-F5344CB8AC3E}">
-        <p14:creationId xmlns:p14="http://schemas.microsoft.com/office/powerpoint/2010/main" val="2356493093"/>
+        <p14:creationId xmlns:p14="http://schemas.microsoft.com/office/powerpoint/2010/main" val="2630948020"/>
       </p:ext>
     </p:extLst>
   </p:cSld>
